--- a/fig/recovery-1.pptx
+++ b/fig/recovery-1.pptx
@@ -243,7 +243,7 @@
           <a:p>
             <a:fld id="{517EAB4C-991F-B74B-AAA3-F9EB6CA7F48D}" type="datetimeFigureOut">
               <a:rPr kumimoji="1" lang="zh-CN" altLang="en-US" smtClean="0"/>
-              <a:t>2021/1/1</a:t>
+              <a:t>2021/1/24</a:t>
             </a:fld>
             <a:endParaRPr kumimoji="1" lang="zh-CN" altLang="en-US"/>
           </a:p>
@@ -413,7 +413,7 @@
           <a:p>
             <a:fld id="{517EAB4C-991F-B74B-AAA3-F9EB6CA7F48D}" type="datetimeFigureOut">
               <a:rPr kumimoji="1" lang="zh-CN" altLang="en-US" smtClean="0"/>
-              <a:t>2021/1/1</a:t>
+              <a:t>2021/1/24</a:t>
             </a:fld>
             <a:endParaRPr kumimoji="1" lang="zh-CN" altLang="en-US"/>
           </a:p>
@@ -593,7 +593,7 @@
           <a:p>
             <a:fld id="{517EAB4C-991F-B74B-AAA3-F9EB6CA7F48D}" type="datetimeFigureOut">
               <a:rPr kumimoji="1" lang="zh-CN" altLang="en-US" smtClean="0"/>
-              <a:t>2021/1/1</a:t>
+              <a:t>2021/1/24</a:t>
             </a:fld>
             <a:endParaRPr kumimoji="1" lang="zh-CN" altLang="en-US"/>
           </a:p>
@@ -763,7 +763,7 @@
           <a:p>
             <a:fld id="{517EAB4C-991F-B74B-AAA3-F9EB6CA7F48D}" type="datetimeFigureOut">
               <a:rPr kumimoji="1" lang="zh-CN" altLang="en-US" smtClean="0"/>
-              <a:t>2021/1/1</a:t>
+              <a:t>2021/1/24</a:t>
             </a:fld>
             <a:endParaRPr kumimoji="1" lang="zh-CN" altLang="en-US"/>
           </a:p>
@@ -1007,7 +1007,7 @@
           <a:p>
             <a:fld id="{517EAB4C-991F-B74B-AAA3-F9EB6CA7F48D}" type="datetimeFigureOut">
               <a:rPr kumimoji="1" lang="zh-CN" altLang="en-US" smtClean="0"/>
-              <a:t>2021/1/1</a:t>
+              <a:t>2021/1/24</a:t>
             </a:fld>
             <a:endParaRPr kumimoji="1" lang="zh-CN" altLang="en-US"/>
           </a:p>
@@ -1239,7 +1239,7 @@
           <a:p>
             <a:fld id="{517EAB4C-991F-B74B-AAA3-F9EB6CA7F48D}" type="datetimeFigureOut">
               <a:rPr kumimoji="1" lang="zh-CN" altLang="en-US" smtClean="0"/>
-              <a:t>2021/1/1</a:t>
+              <a:t>2021/1/24</a:t>
             </a:fld>
             <a:endParaRPr kumimoji="1" lang="zh-CN" altLang="en-US"/>
           </a:p>
@@ -1606,7 +1606,7 @@
           <a:p>
             <a:fld id="{517EAB4C-991F-B74B-AAA3-F9EB6CA7F48D}" type="datetimeFigureOut">
               <a:rPr kumimoji="1" lang="zh-CN" altLang="en-US" smtClean="0"/>
-              <a:t>2021/1/1</a:t>
+              <a:t>2021/1/24</a:t>
             </a:fld>
             <a:endParaRPr kumimoji="1" lang="zh-CN" altLang="en-US"/>
           </a:p>
@@ -1724,7 +1724,7 @@
           <a:p>
             <a:fld id="{517EAB4C-991F-B74B-AAA3-F9EB6CA7F48D}" type="datetimeFigureOut">
               <a:rPr kumimoji="1" lang="zh-CN" altLang="en-US" smtClean="0"/>
-              <a:t>2021/1/1</a:t>
+              <a:t>2021/1/24</a:t>
             </a:fld>
             <a:endParaRPr kumimoji="1" lang="zh-CN" altLang="en-US"/>
           </a:p>
@@ -1819,7 +1819,7 @@
           <a:p>
             <a:fld id="{517EAB4C-991F-B74B-AAA3-F9EB6CA7F48D}" type="datetimeFigureOut">
               <a:rPr kumimoji="1" lang="zh-CN" altLang="en-US" smtClean="0"/>
-              <a:t>2021/1/1</a:t>
+              <a:t>2021/1/24</a:t>
             </a:fld>
             <a:endParaRPr kumimoji="1" lang="zh-CN" altLang="en-US"/>
           </a:p>
@@ -2096,7 +2096,7 @@
           <a:p>
             <a:fld id="{517EAB4C-991F-B74B-AAA3-F9EB6CA7F48D}" type="datetimeFigureOut">
               <a:rPr kumimoji="1" lang="zh-CN" altLang="en-US" smtClean="0"/>
-              <a:t>2021/1/1</a:t>
+              <a:t>2021/1/24</a:t>
             </a:fld>
             <a:endParaRPr kumimoji="1" lang="zh-CN" altLang="en-US"/>
           </a:p>
@@ -2353,7 +2353,7 @@
           <a:p>
             <a:fld id="{517EAB4C-991F-B74B-AAA3-F9EB6CA7F48D}" type="datetimeFigureOut">
               <a:rPr kumimoji="1" lang="zh-CN" altLang="en-US" smtClean="0"/>
-              <a:t>2021/1/1</a:t>
+              <a:t>2021/1/24</a:t>
             </a:fld>
             <a:endParaRPr kumimoji="1" lang="zh-CN" altLang="en-US"/>
           </a:p>
@@ -2566,7 +2566,7 @@
           <a:p>
             <a:fld id="{517EAB4C-991F-B74B-AAA3-F9EB6CA7F48D}" type="datetimeFigureOut">
               <a:rPr kumimoji="1" lang="zh-CN" altLang="en-US" smtClean="0"/>
-              <a:t>2021/1/1</a:t>
+              <a:t>2021/1/24</a:t>
             </a:fld>
             <a:endParaRPr kumimoji="1" lang="zh-CN" altLang="en-US"/>
           </a:p>
@@ -2971,50 +2971,6 @@
           <a:chExt cx="0" cy="0"/>
         </a:xfrm>
       </p:grpSpPr>
-      <p:cxnSp>
-        <p:nvCxnSpPr>
-          <p:cNvPr id="17" name="直线连接符 16">
-            <a:extLst>
-              <a:ext uri="{FF2B5EF4-FFF2-40B4-BE49-F238E27FC236}">
-                <a16:creationId xmlns:a16="http://schemas.microsoft.com/office/drawing/2014/main" id="{D2A6F1F9-756A-E74F-92CA-E4CF00A429DE}"/>
-              </a:ext>
-            </a:extLst>
-          </p:cNvPr>
-          <p:cNvCxnSpPr>
-            <a:cxnSpLocks/>
-            <a:stCxn id="21" idx="5"/>
-          </p:cNvCxnSpPr>
-          <p:nvPr/>
-        </p:nvCxnSpPr>
-        <p:spPr>
-          <a:xfrm>
-            <a:off x="2598456" y="868676"/>
-            <a:ext cx="1113832" cy="679569"/>
-          </a:xfrm>
-          <a:prstGeom prst="line">
-            <a:avLst/>
-          </a:prstGeom>
-          <a:ln w="50800">
-            <a:solidFill>
-              <a:schemeClr val="tx1"/>
-            </a:solidFill>
-          </a:ln>
-        </p:spPr>
-        <p:style>
-          <a:lnRef idx="1">
-            <a:schemeClr val="accent1"/>
-          </a:lnRef>
-          <a:fillRef idx="0">
-            <a:schemeClr val="accent1"/>
-          </a:fillRef>
-          <a:effectRef idx="0">
-            <a:schemeClr val="accent1"/>
-          </a:effectRef>
-          <a:fontRef idx="minor">
-            <a:schemeClr val="tx1"/>
-          </a:fontRef>
-        </p:style>
-      </p:cxnSp>
       <p:sp>
         <p:nvSpPr>
           <p:cNvPr id="18" name="任意形状 17">
@@ -3663,60 +3619,6 @@
           </a:fontRef>
         </p:style>
       </p:cxnSp>
-      <p:sp>
-        <p:nvSpPr>
-          <p:cNvPr id="5" name="十字形 4">
-            <a:extLst>
-              <a:ext uri="{FF2B5EF4-FFF2-40B4-BE49-F238E27FC236}">
-                <a16:creationId xmlns:a16="http://schemas.microsoft.com/office/drawing/2014/main" id="{D28E128B-D5D0-D54F-BC82-0F1F29EB4252}"/>
-              </a:ext>
-            </a:extLst>
-          </p:cNvPr>
-          <p:cNvSpPr/>
-          <p:nvPr/>
-        </p:nvSpPr>
-        <p:spPr>
-          <a:xfrm rot="20875659">
-            <a:off x="2837303" y="867045"/>
-            <a:ext cx="534010" cy="557775"/>
-          </a:xfrm>
-          <a:prstGeom prst="plus">
-            <a:avLst>
-              <a:gd name="adj" fmla="val 43151"/>
-            </a:avLst>
-          </a:prstGeom>
-          <a:solidFill>
-            <a:srgbClr val="FF0000"/>
-          </a:solidFill>
-          <a:ln>
-            <a:noFill/>
-          </a:ln>
-        </p:spPr>
-        <p:style>
-          <a:lnRef idx="2">
-            <a:schemeClr val="accent1">
-              <a:shade val="50000"/>
-            </a:schemeClr>
-          </a:lnRef>
-          <a:fillRef idx="1">
-            <a:schemeClr val="accent1"/>
-          </a:fillRef>
-          <a:effectRef idx="0">
-            <a:schemeClr val="accent1"/>
-          </a:effectRef>
-          <a:fontRef idx="minor">
-            <a:schemeClr val="lt1"/>
-          </a:fontRef>
-        </p:style>
-        <p:txBody>
-          <a:bodyPr rtlCol="0" anchor="ctr"/>
-          <a:lstStyle/>
-          <a:p>
-            <a:pPr algn="ctr"/>
-            <a:endParaRPr kumimoji="1" lang="zh-CN" altLang="en-US" dirty="0"/>
-          </a:p>
-        </p:txBody>
-      </p:sp>
       <p:sp>
         <p:nvSpPr>
           <p:cNvPr id="2" name="任意形状 1">
